--- a/Ongoing/With PMeditW/Plot/plot5.pptx
+++ b/Ongoing/With PMeditW/Plot/plot5.pptx
@@ -20,11 +20,6 @@
     <p:sldId id="265" r:id="rId14"/>
     <p:sldId id="266" r:id="rId15"/>
     <p:sldId id="267" r:id="rId16"/>
-    <p:sldId id="269" r:id="rId17"/>
-    <p:sldId id="272" r:id="rId18"/>
-    <p:sldId id="273" r:id="rId19"/>
-    <p:sldId id="274" r:id="rId20"/>
-    <p:sldId id="275" r:id="rId21"/>
   </p:sldIdLst>
   <p:sldSz cx="12192000" cy="6858000"/>
   <p:notesSz cx="6858000" cy="9144000"/>
@@ -123,6 +118,11 @@
       </a:defRPr>
     </a:lvl9pPr>
   </p:defaultTextStyle>
+  <p:extLst>
+    <p:ext uri="{EFAFB233-063F-42B5-8137-9DF3F51BA10A}">
+      <p15:sldGuideLst xmlns:p15="http://schemas.microsoft.com/office/powerpoint/2012/main"/>
+    </p:ext>
+  </p:extLst>
 </p:presentation>
 </file>
 
@@ -275,7 +275,7 @@
           <a:p>
             <a:fld id="{7913201A-B3FD-4294-B946-59ABDE3CB1BC}" type="datetimeFigureOut">
               <a:rPr lang="en-ID" smtClean="0"/>
-              <a:t>24/12/2021</a:t>
+              <a:t>29/12/2021</a:t>
             </a:fld>
             <a:endParaRPr lang="en-ID"/>
           </a:p>
@@ -475,7 +475,7 @@
           <a:p>
             <a:fld id="{7913201A-B3FD-4294-B946-59ABDE3CB1BC}" type="datetimeFigureOut">
               <a:rPr lang="en-ID" smtClean="0"/>
-              <a:t>24/12/2021</a:t>
+              <a:t>29/12/2021</a:t>
             </a:fld>
             <a:endParaRPr lang="en-ID"/>
           </a:p>
@@ -685,7 +685,7 @@
           <a:p>
             <a:fld id="{7913201A-B3FD-4294-B946-59ABDE3CB1BC}" type="datetimeFigureOut">
               <a:rPr lang="en-ID" smtClean="0"/>
-              <a:t>24/12/2021</a:t>
+              <a:t>29/12/2021</a:t>
             </a:fld>
             <a:endParaRPr lang="en-ID"/>
           </a:p>
@@ -885,7 +885,7 @@
           <a:p>
             <a:fld id="{7913201A-B3FD-4294-B946-59ABDE3CB1BC}" type="datetimeFigureOut">
               <a:rPr lang="en-ID" smtClean="0"/>
-              <a:t>24/12/2021</a:t>
+              <a:t>29/12/2021</a:t>
             </a:fld>
             <a:endParaRPr lang="en-ID"/>
           </a:p>
@@ -1161,7 +1161,7 @@
           <a:p>
             <a:fld id="{7913201A-B3FD-4294-B946-59ABDE3CB1BC}" type="datetimeFigureOut">
               <a:rPr lang="en-ID" smtClean="0"/>
-              <a:t>24/12/2021</a:t>
+              <a:t>29/12/2021</a:t>
             </a:fld>
             <a:endParaRPr lang="en-ID"/>
           </a:p>
@@ -1429,7 +1429,7 @@
           <a:p>
             <a:fld id="{7913201A-B3FD-4294-B946-59ABDE3CB1BC}" type="datetimeFigureOut">
               <a:rPr lang="en-ID" smtClean="0"/>
-              <a:t>24/12/2021</a:t>
+              <a:t>29/12/2021</a:t>
             </a:fld>
             <a:endParaRPr lang="en-ID"/>
           </a:p>
@@ -1844,7 +1844,7 @@
           <a:p>
             <a:fld id="{7913201A-B3FD-4294-B946-59ABDE3CB1BC}" type="datetimeFigureOut">
               <a:rPr lang="en-ID" smtClean="0"/>
-              <a:t>24/12/2021</a:t>
+              <a:t>29/12/2021</a:t>
             </a:fld>
             <a:endParaRPr lang="en-ID"/>
           </a:p>
@@ -1986,7 +1986,7 @@
           <a:p>
             <a:fld id="{7913201A-B3FD-4294-B946-59ABDE3CB1BC}" type="datetimeFigureOut">
               <a:rPr lang="en-ID" smtClean="0"/>
-              <a:t>24/12/2021</a:t>
+              <a:t>29/12/2021</a:t>
             </a:fld>
             <a:endParaRPr lang="en-ID"/>
           </a:p>
@@ -2099,7 +2099,7 @@
           <a:p>
             <a:fld id="{7913201A-B3FD-4294-B946-59ABDE3CB1BC}" type="datetimeFigureOut">
               <a:rPr lang="en-ID" smtClean="0"/>
-              <a:t>24/12/2021</a:t>
+              <a:t>29/12/2021</a:t>
             </a:fld>
             <a:endParaRPr lang="en-ID"/>
           </a:p>
@@ -2412,7 +2412,7 @@
           <a:p>
             <a:fld id="{7913201A-B3FD-4294-B946-59ABDE3CB1BC}" type="datetimeFigureOut">
               <a:rPr lang="en-ID" smtClean="0"/>
-              <a:t>24/12/2021</a:t>
+              <a:t>29/12/2021</a:t>
             </a:fld>
             <a:endParaRPr lang="en-ID"/>
           </a:p>
@@ -2701,7 +2701,7 @@
           <a:p>
             <a:fld id="{7913201A-B3FD-4294-B946-59ABDE3CB1BC}" type="datetimeFigureOut">
               <a:rPr lang="en-ID" smtClean="0"/>
-              <a:t>24/12/2021</a:t>
+              <a:t>29/12/2021</a:t>
             </a:fld>
             <a:endParaRPr lang="en-ID"/>
           </a:p>
@@ -2944,7 +2944,7 @@
           <a:p>
             <a:fld id="{7913201A-B3FD-4294-B946-59ABDE3CB1BC}" type="datetimeFigureOut">
               <a:rPr lang="en-ID" smtClean="0"/>
-              <a:t>24/12/2021</a:t>
+              <a:t>29/12/2021</a:t>
             </a:fld>
             <a:endParaRPr lang="en-ID"/>
           </a:p>
@@ -5331,126 +5331,6 @@
 </p:sld>
 </file>
 
-<file path=ppt/slides/slide16.xml><?xml version="1.0" encoding="utf-8"?>
-<p:sld xmlns:a="http://schemas.openxmlformats.org/drawingml/2006/main" xmlns:r="http://schemas.openxmlformats.org/officeDocument/2006/relationships" xmlns:p="http://schemas.openxmlformats.org/presentationml/2006/main">
-  <p:cSld>
-    <p:spTree>
-      <p:nvGrpSpPr>
-        <p:cNvPr id="1" name=""/>
-        <p:cNvGrpSpPr/>
-        <p:nvPr/>
-      </p:nvGrpSpPr>
-      <p:grpSpPr>
-        <a:xfrm>
-          <a:off x="0" y="0"/>
-          <a:ext cx="0" cy="0"/>
-          <a:chOff x="0" y="0"/>
-          <a:chExt cx="0" cy="0"/>
-        </a:xfrm>
-      </p:grpSpPr>
-    </p:spTree>
-    <p:extLst>
-      <p:ext uri="{BB962C8B-B14F-4D97-AF65-F5344CB8AC3E}">
-        <p14:creationId xmlns:p14="http://schemas.microsoft.com/office/powerpoint/2010/main" val="42070012"/>
-      </p:ext>
-    </p:extLst>
-  </p:cSld>
-  <p:clrMapOvr>
-    <a:masterClrMapping/>
-  </p:clrMapOvr>
-</p:sld>
-</file>
-
-<file path=ppt/slides/slide17.xml><?xml version="1.0" encoding="utf-8"?>
-<p:sld xmlns:a="http://schemas.openxmlformats.org/drawingml/2006/main" xmlns:r="http://schemas.openxmlformats.org/officeDocument/2006/relationships" xmlns:p="http://schemas.openxmlformats.org/presentationml/2006/main">
-  <p:cSld>
-    <p:spTree>
-      <p:nvGrpSpPr>
-        <p:cNvPr id="1" name=""/>
-        <p:cNvGrpSpPr/>
-        <p:nvPr/>
-      </p:nvGrpSpPr>
-      <p:grpSpPr>
-        <a:xfrm>
-          <a:off x="0" y="0"/>
-          <a:ext cx="0" cy="0"/>
-          <a:chOff x="0" y="0"/>
-          <a:chExt cx="0" cy="0"/>
-        </a:xfrm>
-      </p:grpSpPr>
-    </p:spTree>
-    <p:extLst>
-      <p:ext uri="{BB962C8B-B14F-4D97-AF65-F5344CB8AC3E}">
-        <p14:creationId xmlns:p14="http://schemas.microsoft.com/office/powerpoint/2010/main" val="221961038"/>
-      </p:ext>
-    </p:extLst>
-  </p:cSld>
-  <p:clrMapOvr>
-    <a:masterClrMapping/>
-  </p:clrMapOvr>
-</p:sld>
-</file>
-
-<file path=ppt/slides/slide18.xml><?xml version="1.0" encoding="utf-8"?>
-<p:sld xmlns:a="http://schemas.openxmlformats.org/drawingml/2006/main" xmlns:r="http://schemas.openxmlformats.org/officeDocument/2006/relationships" xmlns:p="http://schemas.openxmlformats.org/presentationml/2006/main">
-  <p:cSld>
-    <p:spTree>
-      <p:nvGrpSpPr>
-        <p:cNvPr id="1" name=""/>
-        <p:cNvGrpSpPr/>
-        <p:nvPr/>
-      </p:nvGrpSpPr>
-      <p:grpSpPr>
-        <a:xfrm>
-          <a:off x="0" y="0"/>
-          <a:ext cx="0" cy="0"/>
-          <a:chOff x="0" y="0"/>
-          <a:chExt cx="0" cy="0"/>
-        </a:xfrm>
-      </p:grpSpPr>
-    </p:spTree>
-    <p:extLst>
-      <p:ext uri="{BB962C8B-B14F-4D97-AF65-F5344CB8AC3E}">
-        <p14:creationId xmlns:p14="http://schemas.microsoft.com/office/powerpoint/2010/main" val="2947525609"/>
-      </p:ext>
-    </p:extLst>
-  </p:cSld>
-  <p:clrMapOvr>
-    <a:masterClrMapping/>
-  </p:clrMapOvr>
-</p:sld>
-</file>
-
-<file path=ppt/slides/slide19.xml><?xml version="1.0" encoding="utf-8"?>
-<p:sld xmlns:a="http://schemas.openxmlformats.org/drawingml/2006/main" xmlns:r="http://schemas.openxmlformats.org/officeDocument/2006/relationships" xmlns:p="http://schemas.openxmlformats.org/presentationml/2006/main">
-  <p:cSld>
-    <p:spTree>
-      <p:nvGrpSpPr>
-        <p:cNvPr id="1" name=""/>
-        <p:cNvGrpSpPr/>
-        <p:nvPr/>
-      </p:nvGrpSpPr>
-      <p:grpSpPr>
-        <a:xfrm>
-          <a:off x="0" y="0"/>
-          <a:ext cx="0" cy="0"/>
-          <a:chOff x="0" y="0"/>
-          <a:chExt cx="0" cy="0"/>
-        </a:xfrm>
-      </p:grpSpPr>
-    </p:spTree>
-    <p:extLst>
-      <p:ext uri="{BB962C8B-B14F-4D97-AF65-F5344CB8AC3E}">
-        <p14:creationId xmlns:p14="http://schemas.microsoft.com/office/powerpoint/2010/main" val="3730696926"/>
-      </p:ext>
-    </p:extLst>
-  </p:cSld>
-  <p:clrMapOvr>
-    <a:masterClrMapping/>
-  </p:clrMapOvr>
-</p:sld>
-</file>
-
 <file path=ppt/slides/slide2.xml><?xml version="1.0" encoding="utf-8"?>
 <p:sld xmlns:a="http://schemas.openxmlformats.org/drawingml/2006/main" xmlns:r="http://schemas.openxmlformats.org/officeDocument/2006/relationships" xmlns:p="http://schemas.openxmlformats.org/presentationml/2006/main">
   <p:cSld>
@@ -5815,36 +5695,6 @@
     <p:extLst>
       <p:ext uri="{BB962C8B-B14F-4D97-AF65-F5344CB8AC3E}">
         <p14:creationId xmlns:p14="http://schemas.microsoft.com/office/powerpoint/2010/main" val="456681934"/>
-      </p:ext>
-    </p:extLst>
-  </p:cSld>
-  <p:clrMapOvr>
-    <a:masterClrMapping/>
-  </p:clrMapOvr>
-</p:sld>
-</file>
-
-<file path=ppt/slides/slide20.xml><?xml version="1.0" encoding="utf-8"?>
-<p:sld xmlns:a="http://schemas.openxmlformats.org/drawingml/2006/main" xmlns:r="http://schemas.openxmlformats.org/officeDocument/2006/relationships" xmlns:p="http://schemas.openxmlformats.org/presentationml/2006/main">
-  <p:cSld>
-    <p:spTree>
-      <p:nvGrpSpPr>
-        <p:cNvPr id="1" name=""/>
-        <p:cNvGrpSpPr/>
-        <p:nvPr/>
-      </p:nvGrpSpPr>
-      <p:grpSpPr>
-        <a:xfrm>
-          <a:off x="0" y="0"/>
-          <a:ext cx="0" cy="0"/>
-          <a:chOff x="0" y="0"/>
-          <a:chExt cx="0" cy="0"/>
-        </a:xfrm>
-      </p:grpSpPr>
-    </p:spTree>
-    <p:extLst>
-      <p:ext uri="{BB962C8B-B14F-4D97-AF65-F5344CB8AC3E}">
-        <p14:creationId xmlns:p14="http://schemas.microsoft.com/office/powerpoint/2010/main" val="3960585567"/>
       </p:ext>
     </p:extLst>
   </p:cSld>
